--- a/Мекка_презентация_с_картинками (1).pptx
+++ b/Мекка_презентация_с_картинками (1).pptx
@@ -3471,8 +3471,14 @@
           <a:lstStyle/>
           <a:p>
             <a:r>
-              <a:t>9. Модернизация</a:t>
-            </a:r>
+              <a:rPr dirty="0"/>
+              <a:t>9. </a:t>
+            </a:r>
+            <a:r>
+              <a:rPr dirty="0" err="1"/>
+              <a:t>Модернизация</a:t>
+            </a:r>
+            <a:endParaRPr dirty="0"/>
           </a:p>
         </p:txBody>
       </p:sp>
@@ -3491,14 +3497,67 @@
           <a:bodyPr/>
           <a:lstStyle/>
           <a:p>
-            <a:endParaRPr/>
+            <a:endParaRPr dirty="0"/>
           </a:p>
           <a:p>
             <a:pPr>
               <a:defRPr sz="2000"/>
             </a:pPr>
             <a:r>
-              <a:t>Город активно развивается, строятся отели и транспортные системы.</a:t>
+              <a:rPr dirty="0" err="1"/>
+              <a:t>Город</a:t>
+            </a:r>
+            <a:r>
+              <a:rPr dirty="0"/>
+              <a:t> </a:t>
+            </a:r>
+            <a:r>
+              <a:rPr dirty="0" err="1"/>
+              <a:t>активно</a:t>
+            </a:r>
+            <a:r>
+              <a:rPr dirty="0"/>
+              <a:t> </a:t>
+            </a:r>
+            <a:r>
+              <a:rPr dirty="0" err="1"/>
+              <a:t>развивается</a:t>
+            </a:r>
+            <a:r>
+              <a:rPr dirty="0"/>
+              <a:t>, </a:t>
+            </a:r>
+            <a:r>
+              <a:rPr dirty="0" err="1"/>
+              <a:t>строятся</a:t>
+            </a:r>
+            <a:r>
+              <a:rPr dirty="0"/>
+              <a:t> </a:t>
+            </a:r>
+            <a:r>
+              <a:rPr dirty="0" err="1"/>
+              <a:t>отели</a:t>
+            </a:r>
+            <a:r>
+              <a:rPr dirty="0"/>
+              <a:t> и </a:t>
+            </a:r>
+            <a:r>
+              <a:rPr dirty="0" err="1"/>
+              <a:t>транспортные</a:t>
+            </a:r>
+            <a:r>
+              <a:rPr dirty="0"/>
+              <a:t> </a:t>
+            </a:r>
+            <a:r>
+              <a:rPr dirty="0" err="1"/>
+              <a:t>системы</a:t>
+            </a:r>
+            <a:r>
+              <a:rPr dirty="0"/>
+              <a:t>.</a:t>
             </a:r>
           </a:p>
         </p:txBody>
@@ -3538,6 +3597,286 @@
   <p:clrMapOvr>
     <a:masterClrMapping/>
   </p:clrMapOvr>
+  <p:timing>
+    <p:tnLst>
+      <p:par>
+        <p:cTn id="1" dur="indefinite" restart="never" nodeType="tmRoot">
+          <p:childTnLst>
+            <p:seq concurrent="1" nextAc="seek">
+              <p:cTn id="2" dur="indefinite" nodeType="mainSeq">
+                <p:childTnLst>
+                  <p:par>
+                    <p:cTn id="3" fill="hold">
+                      <p:stCondLst>
+                        <p:cond delay="indefinite"/>
+                      </p:stCondLst>
+                      <p:childTnLst>
+                        <p:par>
+                          <p:cTn id="4" fill="hold">
+                            <p:stCondLst>
+                              <p:cond delay="0"/>
+                            </p:stCondLst>
+                            <p:childTnLst>
+                              <p:par>
+                                <p:cTn id="5" presetID="22" presetClass="entr" presetSubtype="4" fill="hold" nodeType="clickEffect">
+                                  <p:stCondLst>
+                                    <p:cond delay="0"/>
+                                  </p:stCondLst>
+                                  <p:childTnLst>
+                                    <p:set>
+                                      <p:cBhvr>
+                                        <p:cTn id="6" dur="1" fill="hold">
+                                          <p:stCondLst>
+                                            <p:cond delay="0"/>
+                                          </p:stCondLst>
+                                        </p:cTn>
+                                        <p:tgtEl>
+                                          <p:spTgt spid="5"/>
+                                        </p:tgtEl>
+                                        <p:attrNameLst>
+                                          <p:attrName>style.visibility</p:attrName>
+                                        </p:attrNameLst>
+                                      </p:cBhvr>
+                                      <p:to>
+                                        <p:strVal val="visible"/>
+                                      </p:to>
+                                    </p:set>
+                                    <p:animEffect transition="in" filter="wipe(down)">
+                                      <p:cBhvr>
+                                        <p:cTn id="7" dur="500"/>
+                                        <p:tgtEl>
+                                          <p:spTgt spid="5"/>
+                                        </p:tgtEl>
+                                      </p:cBhvr>
+                                    </p:animEffect>
+                                  </p:childTnLst>
+                                </p:cTn>
+                              </p:par>
+                            </p:childTnLst>
+                          </p:cTn>
+                        </p:par>
+                      </p:childTnLst>
+                    </p:cTn>
+                  </p:par>
+                  <p:par>
+                    <p:cTn id="8" fill="hold">
+                      <p:stCondLst>
+                        <p:cond delay="indefinite"/>
+                      </p:stCondLst>
+                      <p:childTnLst>
+                        <p:par>
+                          <p:cTn id="9" fill="hold">
+                            <p:stCondLst>
+                              <p:cond delay="0"/>
+                            </p:stCondLst>
+                            <p:childTnLst>
+                              <p:par>
+                                <p:cTn id="10" presetID="2" presetClass="entr" presetSubtype="4" fill="hold" grpId="0" nodeType="clickEffect">
+                                  <p:stCondLst>
+                                    <p:cond delay="0"/>
+                                  </p:stCondLst>
+                                  <p:childTnLst>
+                                    <p:set>
+                                      <p:cBhvr>
+                                        <p:cTn id="11" dur="1" fill="hold">
+                                          <p:stCondLst>
+                                            <p:cond delay="0"/>
+                                          </p:stCondLst>
+                                        </p:cTn>
+                                        <p:tgtEl>
+                                          <p:spTgt spid="2"/>
+                                        </p:tgtEl>
+                                        <p:attrNameLst>
+                                          <p:attrName>style.visibility</p:attrName>
+                                        </p:attrNameLst>
+                                      </p:cBhvr>
+                                      <p:to>
+                                        <p:strVal val="visible"/>
+                                      </p:to>
+                                    </p:set>
+                                    <p:anim calcmode="lin" valueType="num">
+                                      <p:cBhvr additive="base">
+                                        <p:cTn id="12" dur="500" fill="hold"/>
+                                        <p:tgtEl>
+                                          <p:spTgt spid="2"/>
+                                        </p:tgtEl>
+                                        <p:attrNameLst>
+                                          <p:attrName>ppt_x</p:attrName>
+                                        </p:attrNameLst>
+                                      </p:cBhvr>
+                                      <p:tavLst>
+                                        <p:tav tm="0">
+                                          <p:val>
+                                            <p:strVal val="#ppt_x"/>
+                                          </p:val>
+                                        </p:tav>
+                                        <p:tav tm="100000">
+                                          <p:val>
+                                            <p:strVal val="#ppt_x"/>
+                                          </p:val>
+                                        </p:tav>
+                                      </p:tavLst>
+                                    </p:anim>
+                                    <p:anim calcmode="lin" valueType="num">
+                                      <p:cBhvr additive="base">
+                                        <p:cTn id="13" dur="500" fill="hold"/>
+                                        <p:tgtEl>
+                                          <p:spTgt spid="2"/>
+                                        </p:tgtEl>
+                                        <p:attrNameLst>
+                                          <p:attrName>ppt_y</p:attrName>
+                                        </p:attrNameLst>
+                                      </p:cBhvr>
+                                      <p:tavLst>
+                                        <p:tav tm="0">
+                                          <p:val>
+                                            <p:strVal val="1+#ppt_h/2"/>
+                                          </p:val>
+                                        </p:tav>
+                                        <p:tav tm="100000">
+                                          <p:val>
+                                            <p:strVal val="#ppt_y"/>
+                                          </p:val>
+                                        </p:tav>
+                                      </p:tavLst>
+                                    </p:anim>
+                                  </p:childTnLst>
+                                </p:cTn>
+                              </p:par>
+                            </p:childTnLst>
+                          </p:cTn>
+                        </p:par>
+                      </p:childTnLst>
+                    </p:cTn>
+                  </p:par>
+                  <p:par>
+                    <p:cTn id="14" fill="hold">
+                      <p:stCondLst>
+                        <p:cond delay="indefinite"/>
+                      </p:stCondLst>
+                      <p:childTnLst>
+                        <p:par>
+                          <p:cTn id="15" fill="hold">
+                            <p:stCondLst>
+                              <p:cond delay="0"/>
+                            </p:stCondLst>
+                            <p:childTnLst>
+                              <p:par>
+                                <p:cTn id="16" presetID="2" presetClass="entr" presetSubtype="4" fill="hold" nodeType="clickEffect">
+                                  <p:stCondLst>
+                                    <p:cond delay="0"/>
+                                  </p:stCondLst>
+                                  <p:childTnLst>
+                                    <p:set>
+                                      <p:cBhvr>
+                                        <p:cTn id="17" dur="1" fill="hold">
+                                          <p:stCondLst>
+                                            <p:cond delay="0"/>
+                                          </p:stCondLst>
+                                        </p:cTn>
+                                        <p:tgtEl>
+                                          <p:spTgt spid="3">
+                                            <p:txEl>
+                                              <p:pRg st="1" end="1"/>
+                                            </p:txEl>
+                                          </p:spTgt>
+                                        </p:tgtEl>
+                                        <p:attrNameLst>
+                                          <p:attrName>style.visibility</p:attrName>
+                                        </p:attrNameLst>
+                                      </p:cBhvr>
+                                      <p:to>
+                                        <p:strVal val="visible"/>
+                                      </p:to>
+                                    </p:set>
+                                    <p:anim calcmode="lin" valueType="num">
+                                      <p:cBhvr additive="base">
+                                        <p:cTn id="18" dur="500" fill="hold"/>
+                                        <p:tgtEl>
+                                          <p:spTgt spid="3">
+                                            <p:txEl>
+                                              <p:pRg st="1" end="1"/>
+                                            </p:txEl>
+                                          </p:spTgt>
+                                        </p:tgtEl>
+                                        <p:attrNameLst>
+                                          <p:attrName>ppt_x</p:attrName>
+                                        </p:attrNameLst>
+                                      </p:cBhvr>
+                                      <p:tavLst>
+                                        <p:tav tm="0">
+                                          <p:val>
+                                            <p:strVal val="#ppt_x"/>
+                                          </p:val>
+                                        </p:tav>
+                                        <p:tav tm="100000">
+                                          <p:val>
+                                            <p:strVal val="#ppt_x"/>
+                                          </p:val>
+                                        </p:tav>
+                                      </p:tavLst>
+                                    </p:anim>
+                                    <p:anim calcmode="lin" valueType="num">
+                                      <p:cBhvr additive="base">
+                                        <p:cTn id="19" dur="500" fill="hold"/>
+                                        <p:tgtEl>
+                                          <p:spTgt spid="3">
+                                            <p:txEl>
+                                              <p:pRg st="1" end="1"/>
+                                            </p:txEl>
+                                          </p:spTgt>
+                                        </p:tgtEl>
+                                        <p:attrNameLst>
+                                          <p:attrName>ppt_y</p:attrName>
+                                        </p:attrNameLst>
+                                      </p:cBhvr>
+                                      <p:tavLst>
+                                        <p:tav tm="0">
+                                          <p:val>
+                                            <p:strVal val="1+#ppt_h/2"/>
+                                          </p:val>
+                                        </p:tav>
+                                        <p:tav tm="100000">
+                                          <p:val>
+                                            <p:strVal val="#ppt_y"/>
+                                          </p:val>
+                                        </p:tav>
+                                      </p:tavLst>
+                                    </p:anim>
+                                  </p:childTnLst>
+                                </p:cTn>
+                              </p:par>
+                            </p:childTnLst>
+                          </p:cTn>
+                        </p:par>
+                      </p:childTnLst>
+                    </p:cTn>
+                  </p:par>
+                </p:childTnLst>
+              </p:cTn>
+              <p:prevCondLst>
+                <p:cond evt="onPrev" delay="0">
+                  <p:tgtEl>
+                    <p:sldTgt/>
+                  </p:tgtEl>
+                </p:cond>
+              </p:prevCondLst>
+              <p:nextCondLst>
+                <p:cond evt="onNext" delay="0">
+                  <p:tgtEl>
+                    <p:sldTgt/>
+                  </p:tgtEl>
+                </p:cond>
+              </p:nextCondLst>
+            </p:seq>
+          </p:childTnLst>
+        </p:cTn>
+      </p:par>
+    </p:tnLst>
+    <p:bldLst>
+      <p:bldP spid="2" grpId="0"/>
+    </p:bldLst>
+  </p:timing>
 </p:sld>
 </file>
 
@@ -3574,7 +3913,28 @@
           <a:lstStyle/>
           <a:p>
             <a:r>
-              <a:t>Спасибо за внимание!</a:t>
+              <a:rPr dirty="0" err="1"/>
+              <a:t>Спасибо</a:t>
+            </a:r>
+            <a:r>
+              <a:rPr dirty="0"/>
+              <a:t> </a:t>
+            </a:r>
+            <a:r>
+              <a:rPr dirty="0" err="1"/>
+              <a:t>за</a:t>
+            </a:r>
+            <a:r>
+              <a:rPr dirty="0"/>
+              <a:t> </a:t>
+            </a:r>
+            <a:r>
+              <a:rPr dirty="0" err="1"/>
+              <a:t>внимание</a:t>
+            </a:r>
+            <a:r>
+              <a:rPr dirty="0"/>
+              <a:t>!</a:t>
             </a:r>
           </a:p>
         </p:txBody>
@@ -3584,6 +3944,138 @@
   <p:clrMapOvr>
     <a:masterClrMapping/>
   </p:clrMapOvr>
+  <p:timing>
+    <p:tnLst>
+      <p:par>
+        <p:cTn id="1" dur="indefinite" restart="never" nodeType="tmRoot">
+          <p:childTnLst>
+            <p:seq concurrent="1" nextAc="seek">
+              <p:cTn id="2" dur="indefinite" nodeType="mainSeq">
+                <p:childTnLst>
+                  <p:par>
+                    <p:cTn id="3" fill="hold">
+                      <p:stCondLst>
+                        <p:cond delay="indefinite"/>
+                      </p:stCondLst>
+                      <p:childTnLst>
+                        <p:par>
+                          <p:cTn id="4" fill="hold">
+                            <p:stCondLst>
+                              <p:cond delay="0"/>
+                            </p:stCondLst>
+                            <p:childTnLst>
+                              <p:par>
+                                <p:cTn id="5" presetID="42" presetClass="entr" presetSubtype="0" fill="hold" grpId="0" nodeType="clickEffect">
+                                  <p:stCondLst>
+                                    <p:cond delay="0"/>
+                                  </p:stCondLst>
+                                  <p:childTnLst>
+                                    <p:set>
+                                      <p:cBhvr>
+                                        <p:cTn id="6" dur="1" fill="hold">
+                                          <p:stCondLst>
+                                            <p:cond delay="0"/>
+                                          </p:stCondLst>
+                                        </p:cTn>
+                                        <p:tgtEl>
+                                          <p:spTgt spid="2"/>
+                                        </p:tgtEl>
+                                        <p:attrNameLst>
+                                          <p:attrName>style.visibility</p:attrName>
+                                        </p:attrNameLst>
+                                      </p:cBhvr>
+                                      <p:to>
+                                        <p:strVal val="visible"/>
+                                      </p:to>
+                                    </p:set>
+                                    <p:animEffect transition="in" filter="fade">
+                                      <p:cBhvr>
+                                        <p:cTn id="7" dur="1000"/>
+                                        <p:tgtEl>
+                                          <p:spTgt spid="2"/>
+                                        </p:tgtEl>
+                                      </p:cBhvr>
+                                    </p:animEffect>
+                                    <p:anim calcmode="lin" valueType="num">
+                                      <p:cBhvr>
+                                        <p:cTn id="8" dur="1000" fill="hold"/>
+                                        <p:tgtEl>
+                                          <p:spTgt spid="2"/>
+                                        </p:tgtEl>
+                                        <p:attrNameLst>
+                                          <p:attrName>ppt_x</p:attrName>
+                                        </p:attrNameLst>
+                                      </p:cBhvr>
+                                      <p:tavLst>
+                                        <p:tav tm="0">
+                                          <p:val>
+                                            <p:strVal val="#ppt_x"/>
+                                          </p:val>
+                                        </p:tav>
+                                        <p:tav tm="100000">
+                                          <p:val>
+                                            <p:strVal val="#ppt_x"/>
+                                          </p:val>
+                                        </p:tav>
+                                      </p:tavLst>
+                                    </p:anim>
+                                    <p:anim calcmode="lin" valueType="num">
+                                      <p:cBhvr>
+                                        <p:cTn id="9" dur="1000" fill="hold"/>
+                                        <p:tgtEl>
+                                          <p:spTgt spid="2"/>
+                                        </p:tgtEl>
+                                        <p:attrNameLst>
+                                          <p:attrName>ppt_y</p:attrName>
+                                        </p:attrNameLst>
+                                      </p:cBhvr>
+                                      <p:tavLst>
+                                        <p:tav tm="0">
+                                          <p:val>
+                                            <p:strVal val="#ppt_y+.1"/>
+                                          </p:val>
+                                        </p:tav>
+                                        <p:tav tm="100000">
+                                          <p:val>
+                                            <p:strVal val="#ppt_y"/>
+                                          </p:val>
+                                        </p:tav>
+                                      </p:tavLst>
+                                    </p:anim>
+                                  </p:childTnLst>
+                                </p:cTn>
+                              </p:par>
+                            </p:childTnLst>
+                          </p:cTn>
+                        </p:par>
+                      </p:childTnLst>
+                    </p:cTn>
+                  </p:par>
+                </p:childTnLst>
+              </p:cTn>
+              <p:prevCondLst>
+                <p:cond evt="onPrev" delay="0">
+                  <p:tgtEl>
+                    <p:sldTgt/>
+                  </p:tgtEl>
+                </p:cond>
+              </p:prevCondLst>
+              <p:nextCondLst>
+                <p:cond evt="onNext" delay="0">
+                  <p:tgtEl>
+                    <p:sldTgt/>
+                  </p:tgtEl>
+                </p:cond>
+              </p:nextCondLst>
+            </p:seq>
+          </p:childTnLst>
+        </p:cTn>
+      </p:par>
+    </p:tnLst>
+    <p:bldLst>
+      <p:bldP spid="2" grpId="0"/>
+    </p:bldLst>
+  </p:timing>
 </p:sld>
 </file>
 
@@ -3759,7 +4251,7 @@
                             </p:stCondLst>
                             <p:childTnLst>
                               <p:par>
-                                <p:cTn id="5" presetID="2" presetClass="entr" presetSubtype="4" fill="hold" grpId="0" nodeType="clickEffect">
+                                <p:cTn id="5" presetID="16" presetClass="entr" presetSubtype="21" fill="hold" grpId="0" nodeType="clickEffect">
                                   <p:stCondLst>
                                     <p:cond delay="0"/>
                                   </p:stCondLst>
@@ -3782,52 +4274,14 @@
                                         <p:strVal val="visible"/>
                                       </p:to>
                                     </p:set>
-                                    <p:anim calcmode="lin" valueType="num">
-                                      <p:cBhvr additive="base">
-                                        <p:cTn id="7" dur="500" fill="hold"/>
+                                    <p:animEffect transition="in" filter="barn(inVertical)">
+                                      <p:cBhvr>
+                                        <p:cTn id="7" dur="500"/>
                                         <p:tgtEl>
                                           <p:spTgt spid="2"/>
                                         </p:tgtEl>
-                                        <p:attrNameLst>
-                                          <p:attrName>ppt_x</p:attrName>
-                                        </p:attrNameLst>
-                                      </p:cBhvr>
-                                      <p:tavLst>
-                                        <p:tav tm="0">
-                                          <p:val>
-                                            <p:strVal val="#ppt_x"/>
-                                          </p:val>
-                                        </p:tav>
-                                        <p:tav tm="100000">
-                                          <p:val>
-                                            <p:strVal val="#ppt_x"/>
-                                          </p:val>
-                                        </p:tav>
-                                      </p:tavLst>
-                                    </p:anim>
-                                    <p:anim calcmode="lin" valueType="num">
-                                      <p:cBhvr additive="base">
-                                        <p:cTn id="8" dur="500" fill="hold"/>
-                                        <p:tgtEl>
-                                          <p:spTgt spid="2"/>
-                                        </p:tgtEl>
-                                        <p:attrNameLst>
-                                          <p:attrName>ppt_y</p:attrName>
-                                        </p:attrNameLst>
-                                      </p:cBhvr>
-                                      <p:tavLst>
-                                        <p:tav tm="0">
-                                          <p:val>
-                                            <p:strVal val="1+#ppt_h/2"/>
-                                          </p:val>
-                                        </p:tav>
-                                        <p:tav tm="100000">
-                                          <p:val>
-                                            <p:strVal val="#ppt_y"/>
-                                          </p:val>
-                                        </p:tav>
-                                      </p:tavLst>
-                                    </p:anim>
+                                      </p:cBhvr>
+                                    </p:animEffect>
                                   </p:childTnLst>
                                 </p:cTn>
                               </p:par>
@@ -3838,26 +4292,26 @@
                     </p:cTn>
                   </p:par>
                   <p:par>
-                    <p:cTn id="9" fill="hold">
+                    <p:cTn id="8" fill="hold">
                       <p:stCondLst>
                         <p:cond delay="indefinite"/>
                       </p:stCondLst>
                       <p:childTnLst>
                         <p:par>
-                          <p:cTn id="10" fill="hold">
+                          <p:cTn id="9" fill="hold">
                             <p:stCondLst>
                               <p:cond delay="0"/>
                             </p:stCondLst>
                             <p:childTnLst>
                               <p:par>
-                                <p:cTn id="11" presetID="42" presetClass="entr" presetSubtype="0" fill="hold" nodeType="clickEffect">
+                                <p:cTn id="10" presetID="22" presetClass="entr" presetSubtype="4" fill="hold" nodeType="clickEffect">
                                   <p:stCondLst>
                                     <p:cond delay="0"/>
                                   </p:stCondLst>
                                   <p:childTnLst>
                                     <p:set>
                                       <p:cBhvr>
-                                        <p:cTn id="12" dur="1" fill="hold">
+                                        <p:cTn id="11" dur="1" fill="hold">
                                           <p:stCondLst>
                                             <p:cond delay="0"/>
                                           </p:stCondLst>
@@ -3877,9 +4331,9 @@
                                         <p:strVal val="visible"/>
                                       </p:to>
                                     </p:set>
-                                    <p:animEffect transition="in" filter="fade">
-                                      <p:cBhvr>
-                                        <p:cTn id="13" dur="1000"/>
+                                    <p:animEffect transition="in" filter="wipe(down)">
+                                      <p:cBhvr>
+                                        <p:cTn id="12" dur="500"/>
                                         <p:tgtEl>
                                           <p:spTgt spid="3">
                                             <p:txEl>
@@ -3889,60 +4343,59 @@
                                         </p:tgtEl>
                                       </p:cBhvr>
                                     </p:animEffect>
-                                    <p:anim calcmode="lin" valueType="num">
-                                      <p:cBhvr>
-                                        <p:cTn id="14" dur="1000" fill="hold"/>
-                                        <p:tgtEl>
-                                          <p:spTgt spid="3">
-                                            <p:txEl>
-                                              <p:pRg st="1" end="1"/>
-                                            </p:txEl>
-                                          </p:spTgt>
+                                  </p:childTnLst>
+                                </p:cTn>
+                              </p:par>
+                            </p:childTnLst>
+                          </p:cTn>
+                        </p:par>
+                      </p:childTnLst>
+                    </p:cTn>
+                  </p:par>
+                  <p:par>
+                    <p:cTn id="13" fill="hold">
+                      <p:stCondLst>
+                        <p:cond delay="indefinite"/>
+                      </p:stCondLst>
+                      <p:childTnLst>
+                        <p:par>
+                          <p:cTn id="14" fill="hold">
+                            <p:stCondLst>
+                              <p:cond delay="0"/>
+                            </p:stCondLst>
+                            <p:childTnLst>
+                              <p:par>
+                                <p:cTn id="15" presetID="10" presetClass="entr" presetSubtype="0" fill="hold" nodeType="clickEffect">
+                                  <p:stCondLst>
+                                    <p:cond delay="0"/>
+                                  </p:stCondLst>
+                                  <p:childTnLst>
+                                    <p:set>
+                                      <p:cBhvr>
+                                        <p:cTn id="16" dur="1" fill="hold">
+                                          <p:stCondLst>
+                                            <p:cond delay="0"/>
+                                          </p:stCondLst>
+                                        </p:cTn>
+                                        <p:tgtEl>
+                                          <p:spTgt spid="5"/>
                                         </p:tgtEl>
                                         <p:attrNameLst>
-                                          <p:attrName>ppt_x</p:attrName>
+                                          <p:attrName>style.visibility</p:attrName>
                                         </p:attrNameLst>
                                       </p:cBhvr>
-                                      <p:tavLst>
-                                        <p:tav tm="0">
-                                          <p:val>
-                                            <p:strVal val="#ppt_x"/>
-                                          </p:val>
-                                        </p:tav>
-                                        <p:tav tm="100000">
-                                          <p:val>
-                                            <p:strVal val="#ppt_x"/>
-                                          </p:val>
-                                        </p:tav>
-                                      </p:tavLst>
-                                    </p:anim>
-                                    <p:anim calcmode="lin" valueType="num">
-                                      <p:cBhvr>
-                                        <p:cTn id="15" dur="1000" fill="hold"/>
-                                        <p:tgtEl>
-                                          <p:spTgt spid="3">
-                                            <p:txEl>
-                                              <p:pRg st="1" end="1"/>
-                                            </p:txEl>
-                                          </p:spTgt>
-                                        </p:tgtEl>
-                                        <p:attrNameLst>
-                                          <p:attrName>ppt_y</p:attrName>
-                                        </p:attrNameLst>
-                                      </p:cBhvr>
-                                      <p:tavLst>
-                                        <p:tav tm="0">
-                                          <p:val>
-                                            <p:strVal val="#ppt_y+.1"/>
-                                          </p:val>
-                                        </p:tav>
-                                        <p:tav tm="100000">
-                                          <p:val>
-                                            <p:strVal val="#ppt_y"/>
-                                          </p:val>
-                                        </p:tav>
-                                      </p:tavLst>
-                                    </p:anim>
+                                      <p:to>
+                                        <p:strVal val="visible"/>
+                                      </p:to>
+                                    </p:set>
+                                    <p:animEffect transition="in" filter="fade">
+                                      <p:cBhvr>
+                                        <p:cTn id="17" dur="500"/>
+                                        <p:tgtEl>
+                                          <p:spTgt spid="5"/>
+                                        </p:tgtEl>
+                                      </p:cBhvr>
+                                    </p:animEffect>
                                   </p:childTnLst>
                                 </p:cTn>
                               </p:par>
@@ -4795,6 +5248,158 @@
                       </p:childTnLst>
                     </p:cTn>
                   </p:par>
+                  <p:par>
+                    <p:cTn id="38" fill="hold">
+                      <p:stCondLst>
+                        <p:cond delay="indefinite"/>
+                      </p:stCondLst>
+                      <p:childTnLst>
+                        <p:par>
+                          <p:cTn id="39" fill="hold">
+                            <p:stCondLst>
+                              <p:cond delay="0"/>
+                            </p:stCondLst>
+                            <p:childTnLst>
+                              <p:par>
+                                <p:cTn id="40" presetID="6" presetClass="entr" presetSubtype="16" fill="hold" nodeType="clickEffect">
+                                  <p:stCondLst>
+                                    <p:cond delay="0"/>
+                                  </p:stCondLst>
+                                  <p:childTnLst>
+                                    <p:set>
+                                      <p:cBhvr>
+                                        <p:cTn id="41" dur="1" fill="hold">
+                                          <p:stCondLst>
+                                            <p:cond delay="0"/>
+                                          </p:stCondLst>
+                                        </p:cTn>
+                                        <p:tgtEl>
+                                          <p:spTgt spid="5"/>
+                                        </p:tgtEl>
+                                        <p:attrNameLst>
+                                          <p:attrName>style.visibility</p:attrName>
+                                        </p:attrNameLst>
+                                      </p:cBhvr>
+                                      <p:to>
+                                        <p:strVal val="visible"/>
+                                      </p:to>
+                                    </p:set>
+                                    <p:animEffect transition="in" filter="circle(in)">
+                                      <p:cBhvr>
+                                        <p:cTn id="42" dur="2000"/>
+                                        <p:tgtEl>
+                                          <p:spTgt spid="5"/>
+                                        </p:tgtEl>
+                                      </p:cBhvr>
+                                    </p:animEffect>
+                                  </p:childTnLst>
+                                </p:cTn>
+                              </p:par>
+                            </p:childTnLst>
+                          </p:cTn>
+                        </p:par>
+                      </p:childTnLst>
+                    </p:cTn>
+                  </p:par>
+                  <p:par>
+                    <p:cTn id="43" fill="hold">
+                      <p:stCondLst>
+                        <p:cond delay="indefinite"/>
+                      </p:stCondLst>
+                      <p:childTnLst>
+                        <p:par>
+                          <p:cTn id="44" fill="hold">
+                            <p:stCondLst>
+                              <p:cond delay="0"/>
+                            </p:stCondLst>
+                            <p:childTnLst>
+                              <p:par>
+                                <p:cTn id="45" presetID="42" presetClass="entr" presetSubtype="0" fill="hold" grpId="0" nodeType="clickEffect">
+                                  <p:stCondLst>
+                                    <p:cond delay="0"/>
+                                  </p:stCondLst>
+                                  <p:childTnLst>
+                                    <p:set>
+                                      <p:cBhvr>
+                                        <p:cTn id="46" dur="1" fill="hold">
+                                          <p:stCondLst>
+                                            <p:cond delay="0"/>
+                                          </p:stCondLst>
+                                        </p:cTn>
+                                        <p:tgtEl>
+                                          <p:spTgt spid="2"/>
+                                        </p:tgtEl>
+                                        <p:attrNameLst>
+                                          <p:attrName>style.visibility</p:attrName>
+                                        </p:attrNameLst>
+                                      </p:cBhvr>
+                                      <p:to>
+                                        <p:strVal val="visible"/>
+                                      </p:to>
+                                    </p:set>
+                                    <p:animEffect transition="in" filter="fade">
+                                      <p:cBhvr>
+                                        <p:cTn id="47" dur="1000"/>
+                                        <p:tgtEl>
+                                          <p:spTgt spid="2"/>
+                                        </p:tgtEl>
+                                      </p:cBhvr>
+                                    </p:animEffect>
+                                    <p:anim calcmode="lin" valueType="num">
+                                      <p:cBhvr>
+                                        <p:cTn id="48" dur="1000" fill="hold"/>
+                                        <p:tgtEl>
+                                          <p:spTgt spid="2"/>
+                                        </p:tgtEl>
+                                        <p:attrNameLst>
+                                          <p:attrName>ppt_x</p:attrName>
+                                        </p:attrNameLst>
+                                      </p:cBhvr>
+                                      <p:tavLst>
+                                        <p:tav tm="0">
+                                          <p:val>
+                                            <p:strVal val="#ppt_x"/>
+                                          </p:val>
+                                        </p:tav>
+                                        <p:tav tm="100000">
+                                          <p:val>
+                                            <p:strVal val="#ppt_x"/>
+                                          </p:val>
+                                        </p:tav>
+                                      </p:tavLst>
+                                    </p:anim>
+                                    <p:anim calcmode="lin" valueType="num">
+                                      <p:cBhvr>
+                                        <p:cTn id="49" dur="1000" fill="hold"/>
+                                        <p:tgtEl>
+                                          <p:spTgt spid="2"/>
+                                        </p:tgtEl>
+                                        <p:attrNameLst>
+                                          <p:attrName>ppt_y</p:attrName>
+                                        </p:attrNameLst>
+                                      </p:cBhvr>
+                                      <p:tavLst>
+                                        <p:tav tm="0">
+                                          <p:val>
+                                            <p:strVal val="#ppt_y+.1"/>
+                                          </p:val>
+                                        </p:tav>
+                                        <p:tav tm="100000">
+                                          <p:val>
+                                            <p:strVal val="#ppt_y"/>
+                                          </p:val>
+                                        </p:tav>
+                                      </p:tavLst>
+                                    </p:anim>
+                                  </p:childTnLst>
+                                </p:cTn>
+                              </p:par>
+                            </p:childTnLst>
+                          </p:cTn>
+                        </p:par>
+                      </p:childTnLst>
+                    </p:cTn>
+                  </p:par>
                 </p:childTnLst>
               </p:cTn>
               <p:prevCondLst>
@@ -4816,6 +5421,9 @@
         </p:cTn>
       </p:par>
     </p:tnLst>
+    <p:bldLst>
+      <p:bldP spid="2" grpId="0"/>
+    </p:bldLst>
   </p:timing>
 </p:sld>
 </file>
@@ -4853,8 +5461,14 @@
           <a:lstStyle/>
           <a:p>
             <a:r>
-              <a:t>3. Паломничество</a:t>
-            </a:r>
+              <a:rPr dirty="0"/>
+              <a:t>3. </a:t>
+            </a:r>
+            <a:r>
+              <a:rPr dirty="0" err="1"/>
+              <a:t>Паломничество</a:t>
+            </a:r>
+            <a:endParaRPr dirty="0"/>
           </a:p>
         </p:txBody>
       </p:sp>
@@ -4873,14 +5487,83 @@
           <a:bodyPr/>
           <a:lstStyle/>
           <a:p>
-            <a:endParaRPr/>
+            <a:endParaRPr dirty="0"/>
           </a:p>
           <a:p>
             <a:pPr>
               <a:defRPr sz="2000"/>
             </a:pPr>
             <a:r>
-              <a:t>Каждый мусульманин должен совершить хадж хотя бы раз в жизни.</a:t>
+              <a:rPr dirty="0" err="1"/>
+              <a:t>Каждый</a:t>
+            </a:r>
+            <a:r>
+              <a:rPr dirty="0"/>
+              <a:t> </a:t>
+            </a:r>
+            <a:r>
+              <a:rPr dirty="0" err="1"/>
+              <a:t>мусульманин</a:t>
+            </a:r>
+            <a:r>
+              <a:rPr dirty="0"/>
+              <a:t> </a:t>
+            </a:r>
+            <a:r>
+              <a:rPr dirty="0" err="1"/>
+              <a:t>должен</a:t>
+            </a:r>
+            <a:r>
+              <a:rPr dirty="0"/>
+              <a:t> </a:t>
+            </a:r>
+            <a:r>
+              <a:rPr dirty="0" err="1"/>
+              <a:t>совершить</a:t>
+            </a:r>
+            <a:r>
+              <a:rPr dirty="0"/>
+              <a:t> </a:t>
+            </a:r>
+            <a:r>
+              <a:rPr dirty="0" err="1"/>
+              <a:t>хадж</a:t>
+            </a:r>
+            <a:r>
+              <a:rPr dirty="0"/>
+              <a:t> </a:t>
+            </a:r>
+            <a:r>
+              <a:rPr dirty="0" err="1"/>
+              <a:t>хотя</a:t>
+            </a:r>
+            <a:r>
+              <a:rPr dirty="0"/>
+              <a:t> </a:t>
+            </a:r>
+            <a:r>
+              <a:rPr dirty="0" err="1"/>
+              <a:t>бы</a:t>
+            </a:r>
+            <a:r>
+              <a:rPr dirty="0"/>
+              <a:t> </a:t>
+            </a:r>
+            <a:r>
+              <a:rPr dirty="0" err="1"/>
+              <a:t>раз</a:t>
+            </a:r>
+            <a:r>
+              <a:rPr dirty="0"/>
+              <a:t> в </a:t>
+            </a:r>
+            <a:r>
+              <a:rPr dirty="0" err="1"/>
+              <a:t>жизни</a:t>
+            </a:r>
+            <a:r>
+              <a:rPr dirty="0"/>
+              <a:t>.</a:t>
             </a:r>
           </a:p>
         </p:txBody>
@@ -4920,6 +5603,206 @@
   <p:clrMapOvr>
     <a:masterClrMapping/>
   </p:clrMapOvr>
+  <p:timing>
+    <p:tnLst>
+      <p:par>
+        <p:cTn id="1" dur="indefinite" restart="never" nodeType="tmRoot">
+          <p:childTnLst>
+            <p:seq concurrent="1" nextAc="seek">
+              <p:cTn id="2" dur="indefinite" nodeType="mainSeq">
+                <p:childTnLst>
+                  <p:par>
+                    <p:cTn id="3" fill="hold">
+                      <p:stCondLst>
+                        <p:cond delay="indefinite"/>
+                      </p:stCondLst>
+                      <p:childTnLst>
+                        <p:par>
+                          <p:cTn id="4" fill="hold">
+                            <p:stCondLst>
+                              <p:cond delay="0"/>
+                            </p:stCondLst>
+                            <p:childTnLst>
+                              <p:par>
+                                <p:cTn id="5" presetID="10" presetClass="entr" presetSubtype="0" fill="hold" nodeType="clickEffect">
+                                  <p:stCondLst>
+                                    <p:cond delay="0"/>
+                                  </p:stCondLst>
+                                  <p:childTnLst>
+                                    <p:set>
+                                      <p:cBhvr>
+                                        <p:cTn id="6" dur="1" fill="hold">
+                                          <p:stCondLst>
+                                            <p:cond delay="0"/>
+                                          </p:stCondLst>
+                                        </p:cTn>
+                                        <p:tgtEl>
+                                          <p:spTgt spid="5"/>
+                                        </p:tgtEl>
+                                        <p:attrNameLst>
+                                          <p:attrName>style.visibility</p:attrName>
+                                        </p:attrNameLst>
+                                      </p:cBhvr>
+                                      <p:to>
+                                        <p:strVal val="visible"/>
+                                      </p:to>
+                                    </p:set>
+                                    <p:animEffect transition="in" filter="fade">
+                                      <p:cBhvr>
+                                        <p:cTn id="7" dur="500"/>
+                                        <p:tgtEl>
+                                          <p:spTgt spid="5"/>
+                                        </p:tgtEl>
+                                      </p:cBhvr>
+                                    </p:animEffect>
+                                  </p:childTnLst>
+                                </p:cTn>
+                              </p:par>
+                            </p:childTnLst>
+                          </p:cTn>
+                        </p:par>
+                      </p:childTnLst>
+                    </p:cTn>
+                  </p:par>
+                  <p:par>
+                    <p:cTn id="8" fill="hold">
+                      <p:stCondLst>
+                        <p:cond delay="indefinite"/>
+                      </p:stCondLst>
+                      <p:childTnLst>
+                        <p:par>
+                          <p:cTn id="9" fill="hold">
+                            <p:stCondLst>
+                              <p:cond delay="0"/>
+                            </p:stCondLst>
+                            <p:childTnLst>
+                              <p:par>
+                                <p:cTn id="10" presetID="10" presetClass="entr" presetSubtype="0" fill="hold" grpId="0" nodeType="clickEffect">
+                                  <p:stCondLst>
+                                    <p:cond delay="0"/>
+                                  </p:stCondLst>
+                                  <p:childTnLst>
+                                    <p:set>
+                                      <p:cBhvr>
+                                        <p:cTn id="11" dur="1" fill="hold">
+                                          <p:stCondLst>
+                                            <p:cond delay="0"/>
+                                          </p:stCondLst>
+                                        </p:cTn>
+                                        <p:tgtEl>
+                                          <p:spTgt spid="2"/>
+                                        </p:tgtEl>
+                                        <p:attrNameLst>
+                                          <p:attrName>style.visibility</p:attrName>
+                                        </p:attrNameLst>
+                                      </p:cBhvr>
+                                      <p:to>
+                                        <p:strVal val="visible"/>
+                                      </p:to>
+                                    </p:set>
+                                    <p:animEffect transition="in" filter="fade">
+                                      <p:cBhvr>
+                                        <p:cTn id="12" dur="500"/>
+                                        <p:tgtEl>
+                                          <p:spTgt spid="2"/>
+                                        </p:tgtEl>
+                                      </p:cBhvr>
+                                    </p:animEffect>
+                                  </p:childTnLst>
+                                </p:cTn>
+                              </p:par>
+                            </p:childTnLst>
+                          </p:cTn>
+                        </p:par>
+                      </p:childTnLst>
+                    </p:cTn>
+                  </p:par>
+                  <p:par>
+                    <p:cTn id="13" fill="hold">
+                      <p:stCondLst>
+                        <p:cond delay="indefinite"/>
+                      </p:stCondLst>
+                      <p:childTnLst>
+                        <p:par>
+                          <p:cTn id="14" fill="hold">
+                            <p:stCondLst>
+                              <p:cond delay="0"/>
+                            </p:stCondLst>
+                            <p:childTnLst>
+                              <p:par>
+                                <p:cTn id="15" presetID="6" presetClass="entr" presetSubtype="16" fill="hold" nodeType="clickEffect">
+                                  <p:stCondLst>
+                                    <p:cond delay="0"/>
+                                  </p:stCondLst>
+                                  <p:childTnLst>
+                                    <p:set>
+                                      <p:cBhvr>
+                                        <p:cTn id="16" dur="1" fill="hold">
+                                          <p:stCondLst>
+                                            <p:cond delay="0"/>
+                                          </p:stCondLst>
+                                        </p:cTn>
+                                        <p:tgtEl>
+                                          <p:spTgt spid="3">
+                                            <p:txEl>
+                                              <p:pRg st="1" end="1"/>
+                                            </p:txEl>
+                                          </p:spTgt>
+                                        </p:tgtEl>
+                                        <p:attrNameLst>
+                                          <p:attrName>style.visibility</p:attrName>
+                                        </p:attrNameLst>
+                                      </p:cBhvr>
+                                      <p:to>
+                                        <p:strVal val="visible"/>
+                                      </p:to>
+                                    </p:set>
+                                    <p:animEffect transition="in" filter="circle(in)">
+                                      <p:cBhvr>
+                                        <p:cTn id="17" dur="2000"/>
+                                        <p:tgtEl>
+                                          <p:spTgt spid="3">
+                                            <p:txEl>
+                                              <p:pRg st="1" end="1"/>
+                                            </p:txEl>
+                                          </p:spTgt>
+                                        </p:tgtEl>
+                                      </p:cBhvr>
+                                    </p:animEffect>
+                                  </p:childTnLst>
+                                </p:cTn>
+                              </p:par>
+                            </p:childTnLst>
+                          </p:cTn>
+                        </p:par>
+                      </p:childTnLst>
+                    </p:cTn>
+                  </p:par>
+                </p:childTnLst>
+              </p:cTn>
+              <p:prevCondLst>
+                <p:cond evt="onPrev" delay="0">
+                  <p:tgtEl>
+                    <p:sldTgt/>
+                  </p:tgtEl>
+                </p:cond>
+              </p:prevCondLst>
+              <p:nextCondLst>
+                <p:cond evt="onNext" delay="0">
+                  <p:tgtEl>
+                    <p:sldTgt/>
+                  </p:tgtEl>
+                </p:cond>
+              </p:nextCondLst>
+            </p:seq>
+          </p:childTnLst>
+        </p:cTn>
+      </p:par>
+    </p:tnLst>
+    <p:bldLst>
+      <p:bldP spid="2" grpId="0"/>
+    </p:bldLst>
+  </p:timing>
 </p:sld>
 </file>
 
@@ -4956,8 +5839,30 @@
           <a:lstStyle/>
           <a:p>
             <a:r>
-              <a:t>4. Запрет на въезд</a:t>
-            </a:r>
+              <a:rPr dirty="0"/>
+              <a:t>4. </a:t>
+            </a:r>
+            <a:r>
+              <a:rPr dirty="0" err="1"/>
+              <a:t>Запрет</a:t>
+            </a:r>
+            <a:r>
+              <a:rPr dirty="0"/>
+              <a:t> </a:t>
+            </a:r>
+            <a:r>
+              <a:rPr dirty="0" err="1"/>
+              <a:t>на</a:t>
+            </a:r>
+            <a:r>
+              <a:rPr dirty="0"/>
+              <a:t> </a:t>
+            </a:r>
+            <a:r>
+              <a:rPr dirty="0" err="1"/>
+              <a:t>въезд</a:t>
+            </a:r>
+            <a:endParaRPr dirty="0"/>
           </a:p>
         </p:txBody>
       </p:sp>
@@ -4976,14 +5881,51 @@
           <a:bodyPr/>
           <a:lstStyle/>
           <a:p>
-            <a:endParaRPr/>
+            <a:endParaRPr dirty="0"/>
           </a:p>
           <a:p>
             <a:pPr>
               <a:defRPr sz="2000"/>
             </a:pPr>
             <a:r>
-              <a:t>Въезд в Мекку разрешён только мусульманам.</a:t>
+              <a:rPr dirty="0" err="1"/>
+              <a:t>Въезд</a:t>
+            </a:r>
+            <a:r>
+              <a:rPr dirty="0"/>
+              <a:t> в </a:t>
+            </a:r>
+            <a:r>
+              <a:rPr dirty="0" err="1"/>
+              <a:t>Мекку</a:t>
+            </a:r>
+            <a:r>
+              <a:rPr dirty="0"/>
+              <a:t> </a:t>
+            </a:r>
+            <a:r>
+              <a:rPr dirty="0" err="1"/>
+              <a:t>разрешён</a:t>
+            </a:r>
+            <a:r>
+              <a:rPr dirty="0"/>
+              <a:t> </a:t>
+            </a:r>
+            <a:r>
+              <a:rPr dirty="0" err="1"/>
+              <a:t>только</a:t>
+            </a:r>
+            <a:r>
+              <a:rPr dirty="0"/>
+              <a:t> </a:t>
+            </a:r>
+            <a:r>
+              <a:rPr dirty="0" err="1"/>
+              <a:t>мусульманам</a:t>
+            </a:r>
+            <a:r>
+              <a:rPr dirty="0"/>
+              <a:t>.</a:t>
             </a:r>
           </a:p>
         </p:txBody>
@@ -5023,6 +5965,252 @@
   <p:clrMapOvr>
     <a:masterClrMapping/>
   </p:clrMapOvr>
+  <p:timing>
+    <p:tnLst>
+      <p:par>
+        <p:cTn id="1" dur="indefinite" restart="never" nodeType="tmRoot">
+          <p:childTnLst>
+            <p:seq concurrent="1" nextAc="seek">
+              <p:cTn id="2" dur="indefinite" nodeType="mainSeq">
+                <p:childTnLst>
+                  <p:par>
+                    <p:cTn id="3" fill="hold">
+                      <p:stCondLst>
+                        <p:cond delay="indefinite"/>
+                      </p:stCondLst>
+                      <p:childTnLst>
+                        <p:par>
+                          <p:cTn id="4" fill="hold">
+                            <p:stCondLst>
+                              <p:cond delay="0"/>
+                            </p:stCondLst>
+                            <p:childTnLst>
+                              <p:par>
+                                <p:cTn id="5" presetID="42" presetClass="entr" presetSubtype="0" fill="hold" nodeType="clickEffect">
+                                  <p:stCondLst>
+                                    <p:cond delay="0"/>
+                                  </p:stCondLst>
+                                  <p:childTnLst>
+                                    <p:set>
+                                      <p:cBhvr>
+                                        <p:cTn id="6" dur="1" fill="hold">
+                                          <p:stCondLst>
+                                            <p:cond delay="0"/>
+                                          </p:stCondLst>
+                                        </p:cTn>
+                                        <p:tgtEl>
+                                          <p:spTgt spid="5"/>
+                                        </p:tgtEl>
+                                        <p:attrNameLst>
+                                          <p:attrName>style.visibility</p:attrName>
+                                        </p:attrNameLst>
+                                      </p:cBhvr>
+                                      <p:to>
+                                        <p:strVal val="visible"/>
+                                      </p:to>
+                                    </p:set>
+                                    <p:animEffect transition="in" filter="fade">
+                                      <p:cBhvr>
+                                        <p:cTn id="7" dur="1000"/>
+                                        <p:tgtEl>
+                                          <p:spTgt spid="5"/>
+                                        </p:tgtEl>
+                                      </p:cBhvr>
+                                    </p:animEffect>
+                                    <p:anim calcmode="lin" valueType="num">
+                                      <p:cBhvr>
+                                        <p:cTn id="8" dur="1000" fill="hold"/>
+                                        <p:tgtEl>
+                                          <p:spTgt spid="5"/>
+                                        </p:tgtEl>
+                                        <p:attrNameLst>
+                                          <p:attrName>ppt_x</p:attrName>
+                                        </p:attrNameLst>
+                                      </p:cBhvr>
+                                      <p:tavLst>
+                                        <p:tav tm="0">
+                                          <p:val>
+                                            <p:strVal val="#ppt_x"/>
+                                          </p:val>
+                                        </p:tav>
+                                        <p:tav tm="100000">
+                                          <p:val>
+                                            <p:strVal val="#ppt_x"/>
+                                          </p:val>
+                                        </p:tav>
+                                      </p:tavLst>
+                                    </p:anim>
+                                    <p:anim calcmode="lin" valueType="num">
+                                      <p:cBhvr>
+                                        <p:cTn id="9" dur="1000" fill="hold"/>
+                                        <p:tgtEl>
+                                          <p:spTgt spid="5"/>
+                                        </p:tgtEl>
+                                        <p:attrNameLst>
+                                          <p:attrName>ppt_y</p:attrName>
+                                        </p:attrNameLst>
+                                      </p:cBhvr>
+                                      <p:tavLst>
+                                        <p:tav tm="0">
+                                          <p:val>
+                                            <p:strVal val="#ppt_y+.1"/>
+                                          </p:val>
+                                        </p:tav>
+                                        <p:tav tm="100000">
+                                          <p:val>
+                                            <p:strVal val="#ppt_y"/>
+                                          </p:val>
+                                        </p:tav>
+                                      </p:tavLst>
+                                    </p:anim>
+                                  </p:childTnLst>
+                                </p:cTn>
+                              </p:par>
+                            </p:childTnLst>
+                          </p:cTn>
+                        </p:par>
+                      </p:childTnLst>
+                    </p:cTn>
+                  </p:par>
+                  <p:par>
+                    <p:cTn id="10" fill="hold">
+                      <p:stCondLst>
+                        <p:cond delay="indefinite"/>
+                      </p:stCondLst>
+                      <p:childTnLst>
+                        <p:par>
+                          <p:cTn id="11" fill="hold">
+                            <p:stCondLst>
+                              <p:cond delay="0"/>
+                            </p:stCondLst>
+                            <p:childTnLst>
+                              <p:par>
+                                <p:cTn id="12" presetID="16" presetClass="entr" presetSubtype="21" fill="hold" grpId="0" nodeType="clickEffect">
+                                  <p:stCondLst>
+                                    <p:cond delay="0"/>
+                                  </p:stCondLst>
+                                  <p:childTnLst>
+                                    <p:set>
+                                      <p:cBhvr>
+                                        <p:cTn id="13" dur="1" fill="hold">
+                                          <p:stCondLst>
+                                            <p:cond delay="0"/>
+                                          </p:stCondLst>
+                                        </p:cTn>
+                                        <p:tgtEl>
+                                          <p:spTgt spid="2"/>
+                                        </p:tgtEl>
+                                        <p:attrNameLst>
+                                          <p:attrName>style.visibility</p:attrName>
+                                        </p:attrNameLst>
+                                      </p:cBhvr>
+                                      <p:to>
+                                        <p:strVal val="visible"/>
+                                      </p:to>
+                                    </p:set>
+                                    <p:animEffect transition="in" filter="barn(inVertical)">
+                                      <p:cBhvr>
+                                        <p:cTn id="14" dur="500"/>
+                                        <p:tgtEl>
+                                          <p:spTgt spid="2"/>
+                                        </p:tgtEl>
+                                      </p:cBhvr>
+                                    </p:animEffect>
+                                  </p:childTnLst>
+                                </p:cTn>
+                              </p:par>
+                            </p:childTnLst>
+                          </p:cTn>
+                        </p:par>
+                      </p:childTnLst>
+                    </p:cTn>
+                  </p:par>
+                  <p:par>
+                    <p:cTn id="15" fill="hold">
+                      <p:stCondLst>
+                        <p:cond delay="indefinite"/>
+                      </p:stCondLst>
+                      <p:childTnLst>
+                        <p:par>
+                          <p:cTn id="16" fill="hold">
+                            <p:stCondLst>
+                              <p:cond delay="0"/>
+                            </p:stCondLst>
+                            <p:childTnLst>
+                              <p:par>
+                                <p:cTn id="17" presetID="16" presetClass="entr" presetSubtype="21" fill="hold" nodeType="clickEffect">
+                                  <p:stCondLst>
+                                    <p:cond delay="0"/>
+                                  </p:stCondLst>
+                                  <p:childTnLst>
+                                    <p:set>
+                                      <p:cBhvr>
+                                        <p:cTn id="18" dur="1" fill="hold">
+                                          <p:stCondLst>
+                                            <p:cond delay="0"/>
+                                          </p:stCondLst>
+                                        </p:cTn>
+                                        <p:tgtEl>
+                                          <p:spTgt spid="3">
+                                            <p:txEl>
+                                              <p:pRg st="1" end="1"/>
+                                            </p:txEl>
+                                          </p:spTgt>
+                                        </p:tgtEl>
+                                        <p:attrNameLst>
+                                          <p:attrName>style.visibility</p:attrName>
+                                        </p:attrNameLst>
+                                      </p:cBhvr>
+                                      <p:to>
+                                        <p:strVal val="visible"/>
+                                      </p:to>
+                                    </p:set>
+                                    <p:animEffect transition="in" filter="barn(inVertical)">
+                                      <p:cBhvr>
+                                        <p:cTn id="19" dur="500"/>
+                                        <p:tgtEl>
+                                          <p:spTgt spid="3">
+                                            <p:txEl>
+                                              <p:pRg st="1" end="1"/>
+                                            </p:txEl>
+                                          </p:spTgt>
+                                        </p:tgtEl>
+                                      </p:cBhvr>
+                                    </p:animEffect>
+                                  </p:childTnLst>
+                                </p:cTn>
+                              </p:par>
+                            </p:childTnLst>
+                          </p:cTn>
+                        </p:par>
+                      </p:childTnLst>
+                    </p:cTn>
+                  </p:par>
+                </p:childTnLst>
+              </p:cTn>
+              <p:prevCondLst>
+                <p:cond evt="onPrev" delay="0">
+                  <p:tgtEl>
+                    <p:sldTgt/>
+                  </p:tgtEl>
+                </p:cond>
+              </p:prevCondLst>
+              <p:nextCondLst>
+                <p:cond evt="onNext" delay="0">
+                  <p:tgtEl>
+                    <p:sldTgt/>
+                  </p:tgtEl>
+                </p:cond>
+              </p:nextCondLst>
+            </p:seq>
+          </p:childTnLst>
+        </p:cTn>
+      </p:par>
+    </p:tnLst>
+    <p:bldLst>
+      <p:bldP spid="2" grpId="0"/>
+    </p:bldLst>
+  </p:timing>
 </p:sld>
 </file>
 
@@ -5059,8 +6247,22 @@
           <a:lstStyle/>
           <a:p>
             <a:r>
-              <a:t>5. Историческое значение</a:t>
-            </a:r>
+              <a:rPr dirty="0"/>
+              <a:t>5. </a:t>
+            </a:r>
+            <a:r>
+              <a:rPr dirty="0" err="1"/>
+              <a:t>Историческое</a:t>
+            </a:r>
+            <a:r>
+              <a:rPr dirty="0"/>
+              <a:t> </a:t>
+            </a:r>
+            <a:r>
+              <a:rPr dirty="0" err="1"/>
+              <a:t>значение</a:t>
+            </a:r>
+            <a:endParaRPr dirty="0"/>
           </a:p>
         </p:txBody>
       </p:sp>
@@ -5079,14 +6281,43 @@
           <a:bodyPr/>
           <a:lstStyle/>
           <a:p>
-            <a:endParaRPr/>
+            <a:endParaRPr dirty="0"/>
           </a:p>
           <a:p>
             <a:pPr>
               <a:defRPr sz="2000"/>
             </a:pPr>
             <a:r>
-              <a:t>Мекка — родина пророка Мухаммеда.</a:t>
+              <a:rPr dirty="0" err="1"/>
+              <a:t>Мекка</a:t>
+            </a:r>
+            <a:r>
+              <a:rPr dirty="0"/>
+              <a:t> — </a:t>
+            </a:r>
+            <a:r>
+              <a:rPr dirty="0" err="1"/>
+              <a:t>родина</a:t>
+            </a:r>
+            <a:r>
+              <a:rPr dirty="0"/>
+              <a:t> </a:t>
+            </a:r>
+            <a:r>
+              <a:rPr dirty="0" err="1"/>
+              <a:t>пророка</a:t>
+            </a:r>
+            <a:r>
+              <a:rPr dirty="0"/>
+              <a:t> </a:t>
+            </a:r>
+            <a:r>
+              <a:rPr dirty="0" err="1"/>
+              <a:t>Мухаммеда</a:t>
+            </a:r>
+            <a:r>
+              <a:rPr dirty="0"/>
+              <a:t>.</a:t>
             </a:r>
           </a:p>
         </p:txBody>
@@ -5156,6 +6387,259 @@
   <p:clrMapOvr>
     <a:masterClrMapping/>
   </p:clrMapOvr>
+  <p:timing>
+    <p:tnLst>
+      <p:par>
+        <p:cTn id="1" dur="indefinite" restart="never" nodeType="tmRoot">
+          <p:childTnLst>
+            <p:seq concurrent="1" nextAc="seek">
+              <p:cTn id="2" dur="indefinite" nodeType="mainSeq">
+                <p:childTnLst>
+                  <p:par>
+                    <p:cTn id="3" fill="hold">
+                      <p:stCondLst>
+                        <p:cond delay="indefinite"/>
+                      </p:stCondLst>
+                      <p:childTnLst>
+                        <p:par>
+                          <p:cTn id="4" fill="hold">
+                            <p:stCondLst>
+                              <p:cond delay="0"/>
+                            </p:stCondLst>
+                            <p:childTnLst>
+                              <p:par>
+                                <p:cTn id="5" presetID="6" presetClass="entr" presetSubtype="16" fill="hold" nodeType="clickEffect">
+                                  <p:stCondLst>
+                                    <p:cond delay="0"/>
+                                  </p:stCondLst>
+                                  <p:childTnLst>
+                                    <p:set>
+                                      <p:cBhvr>
+                                        <p:cTn id="6" dur="1" fill="hold">
+                                          <p:stCondLst>
+                                            <p:cond delay="0"/>
+                                          </p:stCondLst>
+                                        </p:cTn>
+                                        <p:tgtEl>
+                                          <p:spTgt spid="7"/>
+                                        </p:tgtEl>
+                                        <p:attrNameLst>
+                                          <p:attrName>style.visibility</p:attrName>
+                                        </p:attrNameLst>
+                                      </p:cBhvr>
+                                      <p:to>
+                                        <p:strVal val="visible"/>
+                                      </p:to>
+                                    </p:set>
+                                    <p:animEffect transition="in" filter="circle(in)">
+                                      <p:cBhvr>
+                                        <p:cTn id="7" dur="2000"/>
+                                        <p:tgtEl>
+                                          <p:spTgt spid="7"/>
+                                        </p:tgtEl>
+                                      </p:cBhvr>
+                                    </p:animEffect>
+                                  </p:childTnLst>
+                                </p:cTn>
+                              </p:par>
+                            </p:childTnLst>
+                          </p:cTn>
+                        </p:par>
+                      </p:childTnLst>
+                    </p:cTn>
+                  </p:par>
+                  <p:par>
+                    <p:cTn id="8" fill="hold">
+                      <p:stCondLst>
+                        <p:cond delay="indefinite"/>
+                      </p:stCondLst>
+                      <p:childTnLst>
+                        <p:par>
+                          <p:cTn id="9" fill="hold">
+                            <p:stCondLst>
+                              <p:cond delay="0"/>
+                            </p:stCondLst>
+                            <p:childTnLst>
+                              <p:par>
+                                <p:cTn id="10" presetID="6" presetClass="entr" presetSubtype="16" fill="hold" nodeType="clickEffect">
+                                  <p:stCondLst>
+                                    <p:cond delay="0"/>
+                                  </p:stCondLst>
+                                  <p:childTnLst>
+                                    <p:set>
+                                      <p:cBhvr>
+                                        <p:cTn id="11" dur="1" fill="hold">
+                                          <p:stCondLst>
+                                            <p:cond delay="0"/>
+                                          </p:stCondLst>
+                                        </p:cTn>
+                                        <p:tgtEl>
+                                          <p:spTgt spid="9"/>
+                                        </p:tgtEl>
+                                        <p:attrNameLst>
+                                          <p:attrName>style.visibility</p:attrName>
+                                        </p:attrNameLst>
+                                      </p:cBhvr>
+                                      <p:to>
+                                        <p:strVal val="visible"/>
+                                      </p:to>
+                                    </p:set>
+                                    <p:animEffect transition="in" filter="circle(in)">
+                                      <p:cBhvr>
+                                        <p:cTn id="12" dur="2000"/>
+                                        <p:tgtEl>
+                                          <p:spTgt spid="9"/>
+                                        </p:tgtEl>
+                                      </p:cBhvr>
+                                    </p:animEffect>
+                                  </p:childTnLst>
+                                </p:cTn>
+                              </p:par>
+                            </p:childTnLst>
+                          </p:cTn>
+                        </p:par>
+                      </p:childTnLst>
+                    </p:cTn>
+                  </p:par>
+                  <p:par>
+                    <p:cTn id="13" fill="hold">
+                      <p:stCondLst>
+                        <p:cond delay="indefinite"/>
+                      </p:stCondLst>
+                      <p:childTnLst>
+                        <p:par>
+                          <p:cTn id="14" fill="hold">
+                            <p:stCondLst>
+                              <p:cond delay="0"/>
+                            </p:stCondLst>
+                            <p:childTnLst>
+                              <p:par>
+                                <p:cTn id="15" presetID="16" presetClass="entr" presetSubtype="21" fill="hold" grpId="0" nodeType="clickEffect">
+                                  <p:stCondLst>
+                                    <p:cond delay="0"/>
+                                  </p:stCondLst>
+                                  <p:childTnLst>
+                                    <p:set>
+                                      <p:cBhvr>
+                                        <p:cTn id="16" dur="1" fill="hold">
+                                          <p:stCondLst>
+                                            <p:cond delay="0"/>
+                                          </p:stCondLst>
+                                        </p:cTn>
+                                        <p:tgtEl>
+                                          <p:spTgt spid="2"/>
+                                        </p:tgtEl>
+                                        <p:attrNameLst>
+                                          <p:attrName>style.visibility</p:attrName>
+                                        </p:attrNameLst>
+                                      </p:cBhvr>
+                                      <p:to>
+                                        <p:strVal val="visible"/>
+                                      </p:to>
+                                    </p:set>
+                                    <p:animEffect transition="in" filter="barn(inVertical)">
+                                      <p:cBhvr>
+                                        <p:cTn id="17" dur="500"/>
+                                        <p:tgtEl>
+                                          <p:spTgt spid="2"/>
+                                        </p:tgtEl>
+                                      </p:cBhvr>
+                                    </p:animEffect>
+                                  </p:childTnLst>
+                                </p:cTn>
+                              </p:par>
+                            </p:childTnLst>
+                          </p:cTn>
+                        </p:par>
+                      </p:childTnLst>
+                    </p:cTn>
+                  </p:par>
+                  <p:par>
+                    <p:cTn id="18" fill="hold">
+                      <p:stCondLst>
+                        <p:cond delay="indefinite"/>
+                      </p:stCondLst>
+                      <p:childTnLst>
+                        <p:par>
+                          <p:cTn id="19" fill="hold">
+                            <p:stCondLst>
+                              <p:cond delay="0"/>
+                            </p:stCondLst>
+                            <p:childTnLst>
+                              <p:par>
+                                <p:cTn id="20" presetID="22" presetClass="entr" presetSubtype="4" fill="hold" nodeType="clickEffect">
+                                  <p:stCondLst>
+                                    <p:cond delay="0"/>
+                                  </p:stCondLst>
+                                  <p:childTnLst>
+                                    <p:set>
+                                      <p:cBhvr>
+                                        <p:cTn id="21" dur="1" fill="hold">
+                                          <p:stCondLst>
+                                            <p:cond delay="0"/>
+                                          </p:stCondLst>
+                                        </p:cTn>
+                                        <p:tgtEl>
+                                          <p:spTgt spid="3">
+                                            <p:txEl>
+                                              <p:pRg st="1" end="1"/>
+                                            </p:txEl>
+                                          </p:spTgt>
+                                        </p:tgtEl>
+                                        <p:attrNameLst>
+                                          <p:attrName>style.visibility</p:attrName>
+                                        </p:attrNameLst>
+                                      </p:cBhvr>
+                                      <p:to>
+                                        <p:strVal val="visible"/>
+                                      </p:to>
+                                    </p:set>
+                                    <p:animEffect transition="in" filter="wipe(down)">
+                                      <p:cBhvr>
+                                        <p:cTn id="22" dur="500"/>
+                                        <p:tgtEl>
+                                          <p:spTgt spid="3">
+                                            <p:txEl>
+                                              <p:pRg st="1" end="1"/>
+                                            </p:txEl>
+                                          </p:spTgt>
+                                        </p:tgtEl>
+                                      </p:cBhvr>
+                                    </p:animEffect>
+                                  </p:childTnLst>
+                                </p:cTn>
+                              </p:par>
+                            </p:childTnLst>
+                          </p:cTn>
+                        </p:par>
+                      </p:childTnLst>
+                    </p:cTn>
+                  </p:par>
+                </p:childTnLst>
+              </p:cTn>
+              <p:prevCondLst>
+                <p:cond evt="onPrev" delay="0">
+                  <p:tgtEl>
+                    <p:sldTgt/>
+                  </p:tgtEl>
+                </p:cond>
+              </p:prevCondLst>
+              <p:nextCondLst>
+                <p:cond evt="onNext" delay="0">
+                  <p:tgtEl>
+                    <p:sldTgt/>
+                  </p:tgtEl>
+                </p:cond>
+              </p:nextCondLst>
+            </p:seq>
+          </p:childTnLst>
+        </p:cTn>
+      </p:par>
+    </p:tnLst>
+    <p:bldLst>
+      <p:bldP spid="2" grpId="0"/>
+    </p:bldLst>
+  </p:timing>
 </p:sld>
 </file>
 
@@ -5192,8 +6676,22 @@
           <a:lstStyle/>
           <a:p>
             <a:r>
-              <a:t>6. Масджид аль-Харам</a:t>
-            </a:r>
+              <a:rPr dirty="0"/>
+              <a:t>6. </a:t>
+            </a:r>
+            <a:r>
+              <a:rPr dirty="0" err="1"/>
+              <a:t>Масджид</a:t>
+            </a:r>
+            <a:r>
+              <a:rPr dirty="0"/>
+              <a:t> </a:t>
+            </a:r>
+            <a:r>
+              <a:rPr dirty="0" err="1"/>
+              <a:t>аль-Харам</a:t>
+            </a:r>
+            <a:endParaRPr dirty="0"/>
           </a:p>
         </p:txBody>
       </p:sp>
@@ -5212,14 +6710,59 @@
           <a:bodyPr/>
           <a:lstStyle/>
           <a:p>
-            <a:endParaRPr/>
+            <a:endParaRPr dirty="0"/>
           </a:p>
           <a:p>
             <a:pPr>
               <a:defRPr sz="2000"/>
             </a:pPr>
             <a:r>
-              <a:t>Это крупнейшая мечеть в мире, окружающая Каабу.</a:t>
+              <a:rPr dirty="0" err="1"/>
+              <a:t>Это</a:t>
+            </a:r>
+            <a:r>
+              <a:rPr dirty="0"/>
+              <a:t> </a:t>
+            </a:r>
+            <a:r>
+              <a:rPr dirty="0" err="1"/>
+              <a:t>крупнейшая</a:t>
+            </a:r>
+            <a:r>
+              <a:rPr dirty="0"/>
+              <a:t> </a:t>
+            </a:r>
+            <a:r>
+              <a:rPr dirty="0" err="1"/>
+              <a:t>мечеть</a:t>
+            </a:r>
+            <a:r>
+              <a:rPr dirty="0"/>
+              <a:t> в </a:t>
+            </a:r>
+            <a:r>
+              <a:rPr dirty="0" err="1"/>
+              <a:t>мире</a:t>
+            </a:r>
+            <a:r>
+              <a:rPr dirty="0"/>
+              <a:t>, </a:t>
+            </a:r>
+            <a:r>
+              <a:rPr dirty="0" err="1"/>
+              <a:t>окружающая</a:t>
+            </a:r>
+            <a:r>
+              <a:rPr dirty="0"/>
+              <a:t> </a:t>
+            </a:r>
+            <a:r>
+              <a:rPr dirty="0" err="1"/>
+              <a:t>Каабу</a:t>
+            </a:r>
+            <a:r>
+              <a:rPr dirty="0"/>
+              <a:t>.</a:t>
             </a:r>
           </a:p>
         </p:txBody>
@@ -5259,6 +6802,206 @@
   <p:clrMapOvr>
     <a:masterClrMapping/>
   </p:clrMapOvr>
+  <p:timing>
+    <p:tnLst>
+      <p:par>
+        <p:cTn id="1" dur="indefinite" restart="never" nodeType="tmRoot">
+          <p:childTnLst>
+            <p:seq concurrent="1" nextAc="seek">
+              <p:cTn id="2" dur="indefinite" nodeType="mainSeq">
+                <p:childTnLst>
+                  <p:par>
+                    <p:cTn id="3" fill="hold">
+                      <p:stCondLst>
+                        <p:cond delay="indefinite"/>
+                      </p:stCondLst>
+                      <p:childTnLst>
+                        <p:par>
+                          <p:cTn id="4" fill="hold">
+                            <p:stCondLst>
+                              <p:cond delay="0"/>
+                            </p:stCondLst>
+                            <p:childTnLst>
+                              <p:par>
+                                <p:cTn id="5" presetID="10" presetClass="entr" presetSubtype="0" fill="hold" nodeType="clickEffect">
+                                  <p:stCondLst>
+                                    <p:cond delay="0"/>
+                                  </p:stCondLst>
+                                  <p:childTnLst>
+                                    <p:set>
+                                      <p:cBhvr>
+                                        <p:cTn id="6" dur="1" fill="hold">
+                                          <p:stCondLst>
+                                            <p:cond delay="0"/>
+                                          </p:stCondLst>
+                                        </p:cTn>
+                                        <p:tgtEl>
+                                          <p:spTgt spid="5"/>
+                                        </p:tgtEl>
+                                        <p:attrNameLst>
+                                          <p:attrName>style.visibility</p:attrName>
+                                        </p:attrNameLst>
+                                      </p:cBhvr>
+                                      <p:to>
+                                        <p:strVal val="visible"/>
+                                      </p:to>
+                                    </p:set>
+                                    <p:animEffect transition="in" filter="fade">
+                                      <p:cBhvr>
+                                        <p:cTn id="7" dur="500"/>
+                                        <p:tgtEl>
+                                          <p:spTgt spid="5"/>
+                                        </p:tgtEl>
+                                      </p:cBhvr>
+                                    </p:animEffect>
+                                  </p:childTnLst>
+                                </p:cTn>
+                              </p:par>
+                            </p:childTnLst>
+                          </p:cTn>
+                        </p:par>
+                      </p:childTnLst>
+                    </p:cTn>
+                  </p:par>
+                  <p:par>
+                    <p:cTn id="8" fill="hold">
+                      <p:stCondLst>
+                        <p:cond delay="indefinite"/>
+                      </p:stCondLst>
+                      <p:childTnLst>
+                        <p:par>
+                          <p:cTn id="9" fill="hold">
+                            <p:stCondLst>
+                              <p:cond delay="0"/>
+                            </p:stCondLst>
+                            <p:childTnLst>
+                              <p:par>
+                                <p:cTn id="10" presetID="16" presetClass="entr" presetSubtype="21" fill="hold" grpId="0" nodeType="clickEffect">
+                                  <p:stCondLst>
+                                    <p:cond delay="0"/>
+                                  </p:stCondLst>
+                                  <p:childTnLst>
+                                    <p:set>
+                                      <p:cBhvr>
+                                        <p:cTn id="11" dur="1" fill="hold">
+                                          <p:stCondLst>
+                                            <p:cond delay="0"/>
+                                          </p:stCondLst>
+                                        </p:cTn>
+                                        <p:tgtEl>
+                                          <p:spTgt spid="2"/>
+                                        </p:tgtEl>
+                                        <p:attrNameLst>
+                                          <p:attrName>style.visibility</p:attrName>
+                                        </p:attrNameLst>
+                                      </p:cBhvr>
+                                      <p:to>
+                                        <p:strVal val="visible"/>
+                                      </p:to>
+                                    </p:set>
+                                    <p:animEffect transition="in" filter="barn(inVertical)">
+                                      <p:cBhvr>
+                                        <p:cTn id="12" dur="500"/>
+                                        <p:tgtEl>
+                                          <p:spTgt spid="2"/>
+                                        </p:tgtEl>
+                                      </p:cBhvr>
+                                    </p:animEffect>
+                                  </p:childTnLst>
+                                </p:cTn>
+                              </p:par>
+                            </p:childTnLst>
+                          </p:cTn>
+                        </p:par>
+                      </p:childTnLst>
+                    </p:cTn>
+                  </p:par>
+                  <p:par>
+                    <p:cTn id="13" fill="hold">
+                      <p:stCondLst>
+                        <p:cond delay="indefinite"/>
+                      </p:stCondLst>
+                      <p:childTnLst>
+                        <p:par>
+                          <p:cTn id="14" fill="hold">
+                            <p:stCondLst>
+                              <p:cond delay="0"/>
+                            </p:stCondLst>
+                            <p:childTnLst>
+                              <p:par>
+                                <p:cTn id="15" presetID="6" presetClass="entr" presetSubtype="16" fill="hold" nodeType="clickEffect">
+                                  <p:stCondLst>
+                                    <p:cond delay="0"/>
+                                  </p:stCondLst>
+                                  <p:childTnLst>
+                                    <p:set>
+                                      <p:cBhvr>
+                                        <p:cTn id="16" dur="1" fill="hold">
+                                          <p:stCondLst>
+                                            <p:cond delay="0"/>
+                                          </p:stCondLst>
+                                        </p:cTn>
+                                        <p:tgtEl>
+                                          <p:spTgt spid="3">
+                                            <p:txEl>
+                                              <p:pRg st="1" end="1"/>
+                                            </p:txEl>
+                                          </p:spTgt>
+                                        </p:tgtEl>
+                                        <p:attrNameLst>
+                                          <p:attrName>style.visibility</p:attrName>
+                                        </p:attrNameLst>
+                                      </p:cBhvr>
+                                      <p:to>
+                                        <p:strVal val="visible"/>
+                                      </p:to>
+                                    </p:set>
+                                    <p:animEffect transition="in" filter="circle(in)">
+                                      <p:cBhvr>
+                                        <p:cTn id="17" dur="2000"/>
+                                        <p:tgtEl>
+                                          <p:spTgt spid="3">
+                                            <p:txEl>
+                                              <p:pRg st="1" end="1"/>
+                                            </p:txEl>
+                                          </p:spTgt>
+                                        </p:tgtEl>
+                                      </p:cBhvr>
+                                    </p:animEffect>
+                                  </p:childTnLst>
+                                </p:cTn>
+                              </p:par>
+                            </p:childTnLst>
+                          </p:cTn>
+                        </p:par>
+                      </p:childTnLst>
+                    </p:cTn>
+                  </p:par>
+                </p:childTnLst>
+              </p:cTn>
+              <p:prevCondLst>
+                <p:cond evt="onPrev" delay="0">
+                  <p:tgtEl>
+                    <p:sldTgt/>
+                  </p:tgtEl>
+                </p:cond>
+              </p:prevCondLst>
+              <p:nextCondLst>
+                <p:cond evt="onNext" delay="0">
+                  <p:tgtEl>
+                    <p:sldTgt/>
+                  </p:tgtEl>
+                </p:cond>
+              </p:nextCondLst>
+            </p:seq>
+          </p:childTnLst>
+        </p:cTn>
+      </p:par>
+    </p:tnLst>
+    <p:bldLst>
+      <p:bldP spid="2" grpId="0"/>
+    </p:bldLst>
+  </p:timing>
 </p:sld>
 </file>
 
@@ -5295,8 +7038,22 @@
           <a:lstStyle/>
           <a:p>
             <a:r>
-              <a:t>7. Число паломников</a:t>
-            </a:r>
+              <a:rPr dirty="0"/>
+              <a:t>7. </a:t>
+            </a:r>
+            <a:r>
+              <a:rPr dirty="0" err="1"/>
+              <a:t>Число</a:t>
+            </a:r>
+            <a:r>
+              <a:rPr dirty="0"/>
+              <a:t> </a:t>
+            </a:r>
+            <a:r>
+              <a:rPr dirty="0" err="1"/>
+              <a:t>паломников</a:t>
+            </a:r>
+            <a:endParaRPr dirty="0"/>
           </a:p>
         </p:txBody>
       </p:sp>
@@ -5315,14 +7072,51 @@
           <a:bodyPr/>
           <a:lstStyle/>
           <a:p>
-            <a:endParaRPr/>
+            <a:endParaRPr dirty="0"/>
           </a:p>
           <a:p>
             <a:pPr>
               <a:defRPr sz="2000"/>
             </a:pPr>
             <a:r>
-              <a:t>Ежегодно Мекку посещают миллионы верующих.</a:t>
+              <a:rPr dirty="0" err="1"/>
+              <a:t>Ежегодно</a:t>
+            </a:r>
+            <a:r>
+              <a:rPr dirty="0"/>
+              <a:t> </a:t>
+            </a:r>
+            <a:r>
+              <a:rPr dirty="0" err="1"/>
+              <a:t>Мекку</a:t>
+            </a:r>
+            <a:r>
+              <a:rPr dirty="0"/>
+              <a:t> </a:t>
+            </a:r>
+            <a:r>
+              <a:rPr dirty="0" err="1"/>
+              <a:t>посещают</a:t>
+            </a:r>
+            <a:r>
+              <a:rPr dirty="0"/>
+              <a:t> </a:t>
+            </a:r>
+            <a:r>
+              <a:rPr dirty="0" err="1"/>
+              <a:t>миллионы</a:t>
+            </a:r>
+            <a:r>
+              <a:rPr dirty="0"/>
+              <a:t> </a:t>
+            </a:r>
+            <a:r>
+              <a:rPr dirty="0" err="1"/>
+              <a:t>верующих</a:t>
+            </a:r>
+            <a:r>
+              <a:rPr dirty="0"/>
+              <a:t>.</a:t>
             </a:r>
           </a:p>
         </p:txBody>
@@ -5362,6 +7156,244 @@
   <p:clrMapOvr>
     <a:masterClrMapping/>
   </p:clrMapOvr>
+  <p:timing>
+    <p:tnLst>
+      <p:par>
+        <p:cTn id="1" dur="indefinite" restart="never" nodeType="tmRoot">
+          <p:childTnLst>
+            <p:seq concurrent="1" nextAc="seek">
+              <p:cTn id="2" dur="indefinite" nodeType="mainSeq">
+                <p:childTnLst>
+                  <p:par>
+                    <p:cTn id="3" fill="hold">
+                      <p:stCondLst>
+                        <p:cond delay="indefinite"/>
+                      </p:stCondLst>
+                      <p:childTnLst>
+                        <p:par>
+                          <p:cTn id="4" fill="hold">
+                            <p:stCondLst>
+                              <p:cond delay="0"/>
+                            </p:stCondLst>
+                            <p:childTnLst>
+                              <p:par>
+                                <p:cTn id="5" presetID="16" presetClass="entr" presetSubtype="21" fill="hold" nodeType="clickEffect">
+                                  <p:stCondLst>
+                                    <p:cond delay="0"/>
+                                  </p:stCondLst>
+                                  <p:childTnLst>
+                                    <p:set>
+                                      <p:cBhvr>
+                                        <p:cTn id="6" dur="1" fill="hold">
+                                          <p:stCondLst>
+                                            <p:cond delay="0"/>
+                                          </p:stCondLst>
+                                        </p:cTn>
+                                        <p:tgtEl>
+                                          <p:spTgt spid="5"/>
+                                        </p:tgtEl>
+                                        <p:attrNameLst>
+                                          <p:attrName>style.visibility</p:attrName>
+                                        </p:attrNameLst>
+                                      </p:cBhvr>
+                                      <p:to>
+                                        <p:strVal val="visible"/>
+                                      </p:to>
+                                    </p:set>
+                                    <p:animEffect transition="in" filter="barn(inVertical)">
+                                      <p:cBhvr>
+                                        <p:cTn id="7" dur="500"/>
+                                        <p:tgtEl>
+                                          <p:spTgt spid="5"/>
+                                        </p:tgtEl>
+                                      </p:cBhvr>
+                                    </p:animEffect>
+                                  </p:childTnLst>
+                                </p:cTn>
+                              </p:par>
+                            </p:childTnLst>
+                          </p:cTn>
+                        </p:par>
+                      </p:childTnLst>
+                    </p:cTn>
+                  </p:par>
+                  <p:par>
+                    <p:cTn id="8" fill="hold">
+                      <p:stCondLst>
+                        <p:cond delay="indefinite"/>
+                      </p:stCondLst>
+                      <p:childTnLst>
+                        <p:par>
+                          <p:cTn id="9" fill="hold">
+                            <p:stCondLst>
+                              <p:cond delay="0"/>
+                            </p:stCondLst>
+                            <p:childTnLst>
+                              <p:par>
+                                <p:cTn id="10" presetID="2" presetClass="entr" presetSubtype="4" fill="hold" grpId="0" nodeType="clickEffect">
+                                  <p:stCondLst>
+                                    <p:cond delay="0"/>
+                                  </p:stCondLst>
+                                  <p:childTnLst>
+                                    <p:set>
+                                      <p:cBhvr>
+                                        <p:cTn id="11" dur="1" fill="hold">
+                                          <p:stCondLst>
+                                            <p:cond delay="0"/>
+                                          </p:stCondLst>
+                                        </p:cTn>
+                                        <p:tgtEl>
+                                          <p:spTgt spid="2"/>
+                                        </p:tgtEl>
+                                        <p:attrNameLst>
+                                          <p:attrName>style.visibility</p:attrName>
+                                        </p:attrNameLst>
+                                      </p:cBhvr>
+                                      <p:to>
+                                        <p:strVal val="visible"/>
+                                      </p:to>
+                                    </p:set>
+                                    <p:anim calcmode="lin" valueType="num">
+                                      <p:cBhvr additive="base">
+                                        <p:cTn id="12" dur="500" fill="hold"/>
+                                        <p:tgtEl>
+                                          <p:spTgt spid="2"/>
+                                        </p:tgtEl>
+                                        <p:attrNameLst>
+                                          <p:attrName>ppt_x</p:attrName>
+                                        </p:attrNameLst>
+                                      </p:cBhvr>
+                                      <p:tavLst>
+                                        <p:tav tm="0">
+                                          <p:val>
+                                            <p:strVal val="#ppt_x"/>
+                                          </p:val>
+                                        </p:tav>
+                                        <p:tav tm="100000">
+                                          <p:val>
+                                            <p:strVal val="#ppt_x"/>
+                                          </p:val>
+                                        </p:tav>
+                                      </p:tavLst>
+                                    </p:anim>
+                                    <p:anim calcmode="lin" valueType="num">
+                                      <p:cBhvr additive="base">
+                                        <p:cTn id="13" dur="500" fill="hold"/>
+                                        <p:tgtEl>
+                                          <p:spTgt spid="2"/>
+                                        </p:tgtEl>
+                                        <p:attrNameLst>
+                                          <p:attrName>ppt_y</p:attrName>
+                                        </p:attrNameLst>
+                                      </p:cBhvr>
+                                      <p:tavLst>
+                                        <p:tav tm="0">
+                                          <p:val>
+                                            <p:strVal val="1+#ppt_h/2"/>
+                                          </p:val>
+                                        </p:tav>
+                                        <p:tav tm="100000">
+                                          <p:val>
+                                            <p:strVal val="#ppt_y"/>
+                                          </p:val>
+                                        </p:tav>
+                                      </p:tavLst>
+                                    </p:anim>
+                                  </p:childTnLst>
+                                </p:cTn>
+                              </p:par>
+                            </p:childTnLst>
+                          </p:cTn>
+                        </p:par>
+                      </p:childTnLst>
+                    </p:cTn>
+                  </p:par>
+                  <p:par>
+                    <p:cTn id="14" fill="hold">
+                      <p:stCondLst>
+                        <p:cond delay="indefinite"/>
+                      </p:stCondLst>
+                      <p:childTnLst>
+                        <p:par>
+                          <p:cTn id="15" fill="hold">
+                            <p:stCondLst>
+                              <p:cond delay="0"/>
+                            </p:stCondLst>
+                            <p:childTnLst>
+                              <p:par>
+                                <p:cTn id="16" presetID="16" presetClass="entr" presetSubtype="21" fill="hold" nodeType="clickEffect">
+                                  <p:stCondLst>
+                                    <p:cond delay="0"/>
+                                  </p:stCondLst>
+                                  <p:childTnLst>
+                                    <p:set>
+                                      <p:cBhvr>
+                                        <p:cTn id="17" dur="1" fill="hold">
+                                          <p:stCondLst>
+                                            <p:cond delay="0"/>
+                                          </p:stCondLst>
+                                        </p:cTn>
+                                        <p:tgtEl>
+                                          <p:spTgt spid="3">
+                                            <p:txEl>
+                                              <p:pRg st="1" end="1"/>
+                                            </p:txEl>
+                                          </p:spTgt>
+                                        </p:tgtEl>
+                                        <p:attrNameLst>
+                                          <p:attrName>style.visibility</p:attrName>
+                                        </p:attrNameLst>
+                                      </p:cBhvr>
+                                      <p:to>
+                                        <p:strVal val="visible"/>
+                                      </p:to>
+                                    </p:set>
+                                    <p:animEffect transition="in" filter="barn(inVertical)">
+                                      <p:cBhvr>
+                                        <p:cTn id="18" dur="500"/>
+                                        <p:tgtEl>
+                                          <p:spTgt spid="3">
+                                            <p:txEl>
+                                              <p:pRg st="1" end="1"/>
+                                            </p:txEl>
+                                          </p:spTgt>
+                                        </p:tgtEl>
+                                      </p:cBhvr>
+                                    </p:animEffect>
+                                  </p:childTnLst>
+                                </p:cTn>
+                              </p:par>
+                            </p:childTnLst>
+                          </p:cTn>
+                        </p:par>
+                      </p:childTnLst>
+                    </p:cTn>
+                  </p:par>
+                </p:childTnLst>
+              </p:cTn>
+              <p:prevCondLst>
+                <p:cond evt="onPrev" delay="0">
+                  <p:tgtEl>
+                    <p:sldTgt/>
+                  </p:tgtEl>
+                </p:cond>
+              </p:prevCondLst>
+              <p:nextCondLst>
+                <p:cond evt="onNext" delay="0">
+                  <p:tgtEl>
+                    <p:sldTgt/>
+                  </p:tgtEl>
+                </p:cond>
+              </p:nextCondLst>
+            </p:seq>
+          </p:childTnLst>
+        </p:cTn>
+      </p:par>
+    </p:tnLst>
+    <p:bldLst>
+      <p:bldP spid="2" grpId="0"/>
+    </p:bldLst>
+  </p:timing>
 </p:sld>
 </file>
 
@@ -5398,8 +7430,22 @@
           <a:lstStyle/>
           <a:p>
             <a:r>
-              <a:t>8. Экономика города</a:t>
-            </a:r>
+              <a:rPr dirty="0"/>
+              <a:t>8. </a:t>
+            </a:r>
+            <a:r>
+              <a:rPr dirty="0" err="1"/>
+              <a:t>Экономика</a:t>
+            </a:r>
+            <a:r>
+              <a:rPr dirty="0"/>
+              <a:t> </a:t>
+            </a:r>
+            <a:r>
+              <a:rPr dirty="0" err="1"/>
+              <a:t>города</a:t>
+            </a:r>
+            <a:endParaRPr dirty="0"/>
           </a:p>
         </p:txBody>
       </p:sp>
@@ -5502,6 +7548,206 @@
   <p:clrMapOvr>
     <a:masterClrMapping/>
   </p:clrMapOvr>
+  <p:timing>
+    <p:tnLst>
+      <p:par>
+        <p:cTn id="1" dur="indefinite" restart="never" nodeType="tmRoot">
+          <p:childTnLst>
+            <p:seq concurrent="1" nextAc="seek">
+              <p:cTn id="2" dur="indefinite" nodeType="mainSeq">
+                <p:childTnLst>
+                  <p:par>
+                    <p:cTn id="3" fill="hold">
+                      <p:stCondLst>
+                        <p:cond delay="indefinite"/>
+                      </p:stCondLst>
+                      <p:childTnLst>
+                        <p:par>
+                          <p:cTn id="4" fill="hold">
+                            <p:stCondLst>
+                              <p:cond delay="0"/>
+                            </p:stCondLst>
+                            <p:childTnLst>
+                              <p:par>
+                                <p:cTn id="5" presetID="10" presetClass="entr" presetSubtype="0" fill="hold" nodeType="clickEffect">
+                                  <p:stCondLst>
+                                    <p:cond delay="0"/>
+                                  </p:stCondLst>
+                                  <p:childTnLst>
+                                    <p:set>
+                                      <p:cBhvr>
+                                        <p:cTn id="6" dur="1" fill="hold">
+                                          <p:stCondLst>
+                                            <p:cond delay="0"/>
+                                          </p:stCondLst>
+                                        </p:cTn>
+                                        <p:tgtEl>
+                                          <p:spTgt spid="5"/>
+                                        </p:tgtEl>
+                                        <p:attrNameLst>
+                                          <p:attrName>style.visibility</p:attrName>
+                                        </p:attrNameLst>
+                                      </p:cBhvr>
+                                      <p:to>
+                                        <p:strVal val="visible"/>
+                                      </p:to>
+                                    </p:set>
+                                    <p:animEffect transition="in" filter="fade">
+                                      <p:cBhvr>
+                                        <p:cTn id="7" dur="500"/>
+                                        <p:tgtEl>
+                                          <p:spTgt spid="5"/>
+                                        </p:tgtEl>
+                                      </p:cBhvr>
+                                    </p:animEffect>
+                                  </p:childTnLst>
+                                </p:cTn>
+                              </p:par>
+                            </p:childTnLst>
+                          </p:cTn>
+                        </p:par>
+                      </p:childTnLst>
+                    </p:cTn>
+                  </p:par>
+                  <p:par>
+                    <p:cTn id="8" fill="hold">
+                      <p:stCondLst>
+                        <p:cond delay="indefinite"/>
+                      </p:stCondLst>
+                      <p:childTnLst>
+                        <p:par>
+                          <p:cTn id="9" fill="hold">
+                            <p:stCondLst>
+                              <p:cond delay="0"/>
+                            </p:stCondLst>
+                            <p:childTnLst>
+                              <p:par>
+                                <p:cTn id="10" presetID="16" presetClass="entr" presetSubtype="21" fill="hold" grpId="0" nodeType="clickEffect">
+                                  <p:stCondLst>
+                                    <p:cond delay="0"/>
+                                  </p:stCondLst>
+                                  <p:childTnLst>
+                                    <p:set>
+                                      <p:cBhvr>
+                                        <p:cTn id="11" dur="1" fill="hold">
+                                          <p:stCondLst>
+                                            <p:cond delay="0"/>
+                                          </p:stCondLst>
+                                        </p:cTn>
+                                        <p:tgtEl>
+                                          <p:spTgt spid="2"/>
+                                        </p:tgtEl>
+                                        <p:attrNameLst>
+                                          <p:attrName>style.visibility</p:attrName>
+                                        </p:attrNameLst>
+                                      </p:cBhvr>
+                                      <p:to>
+                                        <p:strVal val="visible"/>
+                                      </p:to>
+                                    </p:set>
+                                    <p:animEffect transition="in" filter="barn(inVertical)">
+                                      <p:cBhvr>
+                                        <p:cTn id="12" dur="500"/>
+                                        <p:tgtEl>
+                                          <p:spTgt spid="2"/>
+                                        </p:tgtEl>
+                                      </p:cBhvr>
+                                    </p:animEffect>
+                                  </p:childTnLst>
+                                </p:cTn>
+                              </p:par>
+                            </p:childTnLst>
+                          </p:cTn>
+                        </p:par>
+                      </p:childTnLst>
+                    </p:cTn>
+                  </p:par>
+                  <p:par>
+                    <p:cTn id="13" fill="hold">
+                      <p:stCondLst>
+                        <p:cond delay="indefinite"/>
+                      </p:stCondLst>
+                      <p:childTnLst>
+                        <p:par>
+                          <p:cTn id="14" fill="hold">
+                            <p:stCondLst>
+                              <p:cond delay="0"/>
+                            </p:stCondLst>
+                            <p:childTnLst>
+                              <p:par>
+                                <p:cTn id="15" presetID="16" presetClass="entr" presetSubtype="21" fill="hold" nodeType="clickEffect">
+                                  <p:stCondLst>
+                                    <p:cond delay="0"/>
+                                  </p:stCondLst>
+                                  <p:childTnLst>
+                                    <p:set>
+                                      <p:cBhvr>
+                                        <p:cTn id="16" dur="1" fill="hold">
+                                          <p:stCondLst>
+                                            <p:cond delay="0"/>
+                                          </p:stCondLst>
+                                        </p:cTn>
+                                        <p:tgtEl>
+                                          <p:spTgt spid="3">
+                                            <p:txEl>
+                                              <p:pRg st="1" end="1"/>
+                                            </p:txEl>
+                                          </p:spTgt>
+                                        </p:tgtEl>
+                                        <p:attrNameLst>
+                                          <p:attrName>style.visibility</p:attrName>
+                                        </p:attrNameLst>
+                                      </p:cBhvr>
+                                      <p:to>
+                                        <p:strVal val="visible"/>
+                                      </p:to>
+                                    </p:set>
+                                    <p:animEffect transition="in" filter="barn(inVertical)">
+                                      <p:cBhvr>
+                                        <p:cTn id="17" dur="500"/>
+                                        <p:tgtEl>
+                                          <p:spTgt spid="3">
+                                            <p:txEl>
+                                              <p:pRg st="1" end="1"/>
+                                            </p:txEl>
+                                          </p:spTgt>
+                                        </p:tgtEl>
+                                      </p:cBhvr>
+                                    </p:animEffect>
+                                  </p:childTnLst>
+                                </p:cTn>
+                              </p:par>
+                            </p:childTnLst>
+                          </p:cTn>
+                        </p:par>
+                      </p:childTnLst>
+                    </p:cTn>
+                  </p:par>
+                </p:childTnLst>
+              </p:cTn>
+              <p:prevCondLst>
+                <p:cond evt="onPrev" delay="0">
+                  <p:tgtEl>
+                    <p:sldTgt/>
+                  </p:tgtEl>
+                </p:cond>
+              </p:prevCondLst>
+              <p:nextCondLst>
+                <p:cond evt="onNext" delay="0">
+                  <p:tgtEl>
+                    <p:sldTgt/>
+                  </p:tgtEl>
+                </p:cond>
+              </p:nextCondLst>
+            </p:seq>
+          </p:childTnLst>
+        </p:cTn>
+      </p:par>
+    </p:tnLst>
+    <p:bldLst>
+      <p:bldP spid="2" grpId="0"/>
+    </p:bldLst>
+  </p:timing>
 </p:sld>
 </file>
 
